--- a/English/5.DAX/5.ISBLANK and BLANK.pptx
+++ b/English/5.DAX/5.ISBLANK and BLANK.pptx
@@ -200,7 +200,7 @@
           <a:p>
             <a:fld id="{056BA3B8-9F76-4D81-B71D-76CB85363062}" type="datetimeFigureOut">
               <a:rPr lang="en-US" smtClean="0"/>
-              <a:t>1/3/2025</a:t>
+              <a:t>4/3/2025</a:t>
             </a:fld>
             <a:endParaRPr lang="en-US"/>
           </a:p>
@@ -599,7 +599,7 @@
           <a:p>
             <a:fld id="{6F01DA4D-20EA-48D2-973C-0311EC3005D6}" type="datetimeFigureOut">
               <a:rPr lang="en-US" smtClean="0"/>
-              <a:t>1/3/2025</a:t>
+              <a:t>4/3/2025</a:t>
             </a:fld>
             <a:endParaRPr lang="en-US"/>
           </a:p>
@@ -769,7 +769,7 @@
           <a:p>
             <a:fld id="{6F01DA4D-20EA-48D2-973C-0311EC3005D6}" type="datetimeFigureOut">
               <a:rPr lang="en-US" smtClean="0"/>
-              <a:t>1/3/2025</a:t>
+              <a:t>4/3/2025</a:t>
             </a:fld>
             <a:endParaRPr lang="en-US"/>
           </a:p>
@@ -949,7 +949,7 @@
           <a:p>
             <a:fld id="{6F01DA4D-20EA-48D2-973C-0311EC3005D6}" type="datetimeFigureOut">
               <a:rPr lang="en-US" smtClean="0"/>
-              <a:t>1/3/2025</a:t>
+              <a:t>4/3/2025</a:t>
             </a:fld>
             <a:endParaRPr lang="en-US"/>
           </a:p>
@@ -1119,7 +1119,7 @@
           <a:p>
             <a:fld id="{6F01DA4D-20EA-48D2-973C-0311EC3005D6}" type="datetimeFigureOut">
               <a:rPr lang="en-US" smtClean="0"/>
-              <a:t>1/3/2025</a:t>
+              <a:t>4/3/2025</a:t>
             </a:fld>
             <a:endParaRPr lang="en-US"/>
           </a:p>
@@ -1365,7 +1365,7 @@
           <a:p>
             <a:fld id="{6F01DA4D-20EA-48D2-973C-0311EC3005D6}" type="datetimeFigureOut">
               <a:rPr lang="en-US" smtClean="0"/>
-              <a:t>1/3/2025</a:t>
+              <a:t>4/3/2025</a:t>
             </a:fld>
             <a:endParaRPr lang="en-US"/>
           </a:p>
@@ -1597,7 +1597,7 @@
           <a:p>
             <a:fld id="{6F01DA4D-20EA-48D2-973C-0311EC3005D6}" type="datetimeFigureOut">
               <a:rPr lang="en-US" smtClean="0"/>
-              <a:t>1/3/2025</a:t>
+              <a:t>4/3/2025</a:t>
             </a:fld>
             <a:endParaRPr lang="en-US"/>
           </a:p>
@@ -1964,7 +1964,7 @@
           <a:p>
             <a:fld id="{6F01DA4D-20EA-48D2-973C-0311EC3005D6}" type="datetimeFigureOut">
               <a:rPr lang="en-US" smtClean="0"/>
-              <a:t>1/3/2025</a:t>
+              <a:t>4/3/2025</a:t>
             </a:fld>
             <a:endParaRPr lang="en-US"/>
           </a:p>
@@ -2082,7 +2082,7 @@
           <a:p>
             <a:fld id="{6F01DA4D-20EA-48D2-973C-0311EC3005D6}" type="datetimeFigureOut">
               <a:rPr lang="en-US" smtClean="0"/>
-              <a:t>1/3/2025</a:t>
+              <a:t>4/3/2025</a:t>
             </a:fld>
             <a:endParaRPr lang="en-US"/>
           </a:p>
@@ -2177,7 +2177,7 @@
           <a:p>
             <a:fld id="{6F01DA4D-20EA-48D2-973C-0311EC3005D6}" type="datetimeFigureOut">
               <a:rPr lang="en-US" smtClean="0"/>
-              <a:t>1/3/2025</a:t>
+              <a:t>4/3/2025</a:t>
             </a:fld>
             <a:endParaRPr lang="en-US"/>
           </a:p>
@@ -2454,7 +2454,7 @@
           <a:p>
             <a:fld id="{6F01DA4D-20EA-48D2-973C-0311EC3005D6}" type="datetimeFigureOut">
               <a:rPr lang="en-US" smtClean="0"/>
-              <a:t>1/3/2025</a:t>
+              <a:t>4/3/2025</a:t>
             </a:fld>
             <a:endParaRPr lang="en-US"/>
           </a:p>
@@ -2707,7 +2707,7 @@
           <a:p>
             <a:fld id="{6F01DA4D-20EA-48D2-973C-0311EC3005D6}" type="datetimeFigureOut">
               <a:rPr lang="en-US" smtClean="0"/>
-              <a:t>1/3/2025</a:t>
+              <a:t>4/3/2025</a:t>
             </a:fld>
             <a:endParaRPr lang="en-US"/>
           </a:p>
@@ -2920,7 +2920,7 @@
           <a:p>
             <a:fld id="{6F01DA4D-20EA-48D2-973C-0311EC3005D6}" type="datetimeFigureOut">
               <a:rPr lang="en-US" smtClean="0"/>
-              <a:t>1/3/2025</a:t>
+              <a:t>4/3/2025</a:t>
             </a:fld>
             <a:endParaRPr lang="en-US"/>
           </a:p>

--- a/English/5.DAX/5.ISBLANK and BLANK.pptx
+++ b/English/5.DAX/5.ISBLANK and BLANK.pptx
@@ -200,7 +200,7 @@
           <a:p>
             <a:fld id="{056BA3B8-9F76-4D81-B71D-76CB85363062}" type="datetimeFigureOut">
               <a:rPr lang="en-US" smtClean="0"/>
-              <a:t>4/3/2025</a:t>
+              <a:t>4/7/2025</a:t>
             </a:fld>
             <a:endParaRPr lang="en-US"/>
           </a:p>
@@ -599,7 +599,7 @@
           <a:p>
             <a:fld id="{6F01DA4D-20EA-48D2-973C-0311EC3005D6}" type="datetimeFigureOut">
               <a:rPr lang="en-US" smtClean="0"/>
-              <a:t>4/3/2025</a:t>
+              <a:t>4/7/2025</a:t>
             </a:fld>
             <a:endParaRPr lang="en-US"/>
           </a:p>
@@ -769,7 +769,7 @@
           <a:p>
             <a:fld id="{6F01DA4D-20EA-48D2-973C-0311EC3005D6}" type="datetimeFigureOut">
               <a:rPr lang="en-US" smtClean="0"/>
-              <a:t>4/3/2025</a:t>
+              <a:t>4/7/2025</a:t>
             </a:fld>
             <a:endParaRPr lang="en-US"/>
           </a:p>
@@ -949,7 +949,7 @@
           <a:p>
             <a:fld id="{6F01DA4D-20EA-48D2-973C-0311EC3005D6}" type="datetimeFigureOut">
               <a:rPr lang="en-US" smtClean="0"/>
-              <a:t>4/3/2025</a:t>
+              <a:t>4/7/2025</a:t>
             </a:fld>
             <a:endParaRPr lang="en-US"/>
           </a:p>
@@ -1119,7 +1119,7 @@
           <a:p>
             <a:fld id="{6F01DA4D-20EA-48D2-973C-0311EC3005D6}" type="datetimeFigureOut">
               <a:rPr lang="en-US" smtClean="0"/>
-              <a:t>4/3/2025</a:t>
+              <a:t>4/7/2025</a:t>
             </a:fld>
             <a:endParaRPr lang="en-US"/>
           </a:p>
@@ -1365,7 +1365,7 @@
           <a:p>
             <a:fld id="{6F01DA4D-20EA-48D2-973C-0311EC3005D6}" type="datetimeFigureOut">
               <a:rPr lang="en-US" smtClean="0"/>
-              <a:t>4/3/2025</a:t>
+              <a:t>4/7/2025</a:t>
             </a:fld>
             <a:endParaRPr lang="en-US"/>
           </a:p>
@@ -1597,7 +1597,7 @@
           <a:p>
             <a:fld id="{6F01DA4D-20EA-48D2-973C-0311EC3005D6}" type="datetimeFigureOut">
               <a:rPr lang="en-US" smtClean="0"/>
-              <a:t>4/3/2025</a:t>
+              <a:t>4/7/2025</a:t>
             </a:fld>
             <a:endParaRPr lang="en-US"/>
           </a:p>
@@ -1964,7 +1964,7 @@
           <a:p>
             <a:fld id="{6F01DA4D-20EA-48D2-973C-0311EC3005D6}" type="datetimeFigureOut">
               <a:rPr lang="en-US" smtClean="0"/>
-              <a:t>4/3/2025</a:t>
+              <a:t>4/7/2025</a:t>
             </a:fld>
             <a:endParaRPr lang="en-US"/>
           </a:p>
@@ -2082,7 +2082,7 @@
           <a:p>
             <a:fld id="{6F01DA4D-20EA-48D2-973C-0311EC3005D6}" type="datetimeFigureOut">
               <a:rPr lang="en-US" smtClean="0"/>
-              <a:t>4/3/2025</a:t>
+              <a:t>4/7/2025</a:t>
             </a:fld>
             <a:endParaRPr lang="en-US"/>
           </a:p>
@@ -2177,7 +2177,7 @@
           <a:p>
             <a:fld id="{6F01DA4D-20EA-48D2-973C-0311EC3005D6}" type="datetimeFigureOut">
               <a:rPr lang="en-US" smtClean="0"/>
-              <a:t>4/3/2025</a:t>
+              <a:t>4/7/2025</a:t>
             </a:fld>
             <a:endParaRPr lang="en-US"/>
           </a:p>
@@ -2454,7 +2454,7 @@
           <a:p>
             <a:fld id="{6F01DA4D-20EA-48D2-973C-0311EC3005D6}" type="datetimeFigureOut">
               <a:rPr lang="en-US" smtClean="0"/>
-              <a:t>4/3/2025</a:t>
+              <a:t>4/7/2025</a:t>
             </a:fld>
             <a:endParaRPr lang="en-US"/>
           </a:p>
@@ -2707,7 +2707,7 @@
           <a:p>
             <a:fld id="{6F01DA4D-20EA-48D2-973C-0311EC3005D6}" type="datetimeFigureOut">
               <a:rPr lang="en-US" smtClean="0"/>
-              <a:t>4/3/2025</a:t>
+              <a:t>4/7/2025</a:t>
             </a:fld>
             <a:endParaRPr lang="en-US"/>
           </a:p>
@@ -2920,7 +2920,7 @@
           <a:p>
             <a:fld id="{6F01DA4D-20EA-48D2-973C-0311EC3005D6}" type="datetimeFigureOut">
               <a:rPr lang="en-US" smtClean="0"/>
-              <a:t>4/3/2025</a:t>
+              <a:t>4/7/2025</a:t>
             </a:fld>
             <a:endParaRPr lang="en-US"/>
           </a:p>
